--- a/15_Ch09_DropCollection.pptx
+++ b/15_Ch09_DropCollection.pptx
@@ -3726,15 +3726,7 @@
                   <a:srgbClr val="FFFF00"/>
                 </a:solidFill>
               </a:rPr>
-              <a:t>9 Drop </a:t>
-            </a:r>
-            <a:r>
-              <a:rPr lang="en-US" altLang="zh-TW" sz="4800" b="1" dirty="0" smtClean="0">
-                <a:solidFill>
-                  <a:srgbClr val="FFFF00"/>
-                </a:solidFill>
-              </a:rPr>
-              <a:t>Collection</a:t>
+              <a:t>9 Drop Collection</a:t>
             </a:r>
             <a:endParaRPr lang="zh-TW" altLang="en-US" sz="4800" b="1" dirty="0">
               <a:solidFill>
@@ -3941,15 +3933,7 @@
                   <a:srgbClr val="FFFF00"/>
                 </a:solidFill>
               </a:rPr>
-              <a:t>9 Drop </a:t>
-            </a:r>
-            <a:r>
-              <a:rPr lang="en-US" altLang="zh-TW" b="1" dirty="0" smtClean="0">
-                <a:solidFill>
-                  <a:srgbClr val="FFFF00"/>
-                </a:solidFill>
-              </a:rPr>
-              <a:t>Collection</a:t>
+              <a:t>9 Drop Collection</a:t>
             </a:r>
             <a:endParaRPr lang="zh-TW" altLang="en-US" b="1" dirty="0">
               <a:solidFill>
@@ -3996,15 +3980,7 @@
             </a:pPr>
             <a:r>
               <a:rPr lang="en-US" altLang="zh-TW" dirty="0" smtClean="0"/>
-              <a:t>In </a:t>
-            </a:r>
-            <a:r>
-              <a:rPr lang="en-US" altLang="zh-TW" dirty="0" smtClean="0"/>
-              <a:t>this chapter, we will see how to drop a collection using </a:t>
-            </a:r>
-            <a:r>
-              <a:rPr lang="en-US" altLang="zh-TW" dirty="0" smtClean="0"/>
-              <a:t>MongoDB.</a:t>
+              <a:t>In this chapter, we will see how to drop a collection using MongoDB.</a:t>
             </a:r>
           </a:p>
           <a:p>
@@ -4018,15 +3994,7 @@
             </a:pPr>
             <a:r>
               <a:rPr lang="en-US" altLang="zh-TW" b="1" dirty="0" smtClean="0"/>
-              <a:t>The </a:t>
-            </a:r>
-            <a:r>
-              <a:rPr lang="en-US" altLang="zh-TW" b="1" dirty="0" smtClean="0"/>
-              <a:t>drop() </a:t>
-            </a:r>
-            <a:r>
-              <a:rPr lang="en-US" altLang="zh-TW" b="1" dirty="0" smtClean="0"/>
-              <a:t>Method</a:t>
+              <a:t>The drop() Method</a:t>
             </a:r>
           </a:p>
           <a:p>
@@ -4073,15 +4041,7 @@
                   <a:schemeClr val="tx1"/>
                 </a:solidFill>
               </a:rPr>
-              <a:t> is used to drop a collection from the </a:t>
-            </a:r>
-            <a:r>
-              <a:rPr lang="en-US" altLang="zh-TW" dirty="0" smtClean="0">
-                <a:solidFill>
-                  <a:schemeClr val="tx1"/>
-                </a:solidFill>
-              </a:rPr>
-              <a:t>database.</a:t>
+              <a:t> is used to drop a collection from the database.</a:t>
             </a:r>
           </a:p>
           <a:p>
@@ -4110,15 +4070,7 @@
                   <a:schemeClr val="tx1"/>
                 </a:solidFill>
               </a:rPr>
-              <a:t>Basic </a:t>
-            </a:r>
-            <a:r>
-              <a:rPr lang="en-US" altLang="zh-TW" dirty="0" smtClean="0">
-                <a:solidFill>
-                  <a:schemeClr val="tx1"/>
-                </a:solidFill>
-              </a:rPr>
-              <a:t>syntax of </a:t>
+              <a:t>Basic syntax of </a:t>
             </a:r>
             <a:r>
               <a:rPr lang="en-US" altLang="zh-TW" b="1" dirty="0" smtClean="0">
@@ -4134,21 +4086,8 @@
                   <a:schemeClr val="tx1"/>
                 </a:solidFill>
               </a:rPr>
-              <a:t> command is as </a:t>
-            </a:r>
-            <a:r>
-              <a:rPr lang="en-US" altLang="zh-TW" dirty="0" smtClean="0">
-                <a:solidFill>
-                  <a:schemeClr val="tx1"/>
-                </a:solidFill>
-              </a:rPr>
-              <a:t>follows</a:t>
-            </a:r>
-            <a:endParaRPr lang="en-US" altLang="zh-TW" dirty="0" smtClean="0">
-              <a:solidFill>
-                <a:schemeClr val="tx1"/>
-              </a:solidFill>
-            </a:endParaRPr>
+              <a:t> command is as follows</a:t>
+            </a:r>
           </a:p>
         </p:txBody>
       </p:sp>
@@ -4212,7 +4151,7 @@
                 <a:ea typeface="+mj-ea"/>
                 <a:cs typeface="+mj-cs"/>
               </a:rPr>
-              <a:t>https://www.tutorialspoint.com/mongodb/mongodb_create_collection.htm</a:t>
+              <a:t>https://www.tutorialspoint.com/mongodb/mongodb_drop_collection.htm</a:t>
             </a:r>
             <a:endParaRPr kumimoji="0" lang="zh-TW" altLang="en-US" sz="1600" b="0" i="0" u="none" strike="noStrike" kern="1200" cap="none" spc="0" normalizeH="0" baseline="0" noProof="0" dirty="0" smtClean="0">
               <a:ln>
@@ -4406,11 +4345,7 @@
             </a:pPr>
             <a:r>
               <a:rPr lang="en-US" altLang="zh-TW" dirty="0" smtClean="0"/>
-              <a:t>First</a:t>
-            </a:r>
-            <a:r>
-              <a:rPr lang="en-US" altLang="zh-TW" dirty="0" smtClean="0"/>
-              <a:t>, check the available collections into your database </a:t>
+              <a:t>First, check the available collections into your database </a:t>
             </a:r>
             <a:r>
               <a:rPr lang="en-US" altLang="zh-TW" b="1" dirty="0" err="1" smtClean="0"/>
@@ -4420,7 +4355,6 @@
               <a:rPr lang="en-US" altLang="zh-TW" dirty="0" smtClean="0"/>
               <a:t>.</a:t>
             </a:r>
-            <a:endParaRPr lang="en-US" altLang="zh-TW" dirty="0" smtClean="0"/>
           </a:p>
         </p:txBody>
       </p:sp>
@@ -4474,7 +4408,6 @@
               <a:rPr lang="en-US" altLang="zh-TW" sz="1200" dirty="0" smtClean="0"/>
               <a:t> </a:t>
             </a:r>
-            <a:endParaRPr lang="en-US" altLang="zh-TW" sz="1200" dirty="0" smtClean="0"/>
           </a:p>
           <a:p>
             <a:pPr lvl="0">
@@ -4489,11 +4422,7 @@
             </a:pPr>
             <a:r>
               <a:rPr lang="en-US" altLang="zh-TW" sz="1200" dirty="0" smtClean="0"/>
-              <a:t>switched </a:t>
-            </a:r>
-            <a:r>
-              <a:rPr lang="en-US" altLang="zh-TW" sz="1200" dirty="0" smtClean="0"/>
-              <a:t>to db </a:t>
+              <a:t>switched to db </a:t>
             </a:r>
             <a:r>
               <a:rPr lang="en-US" altLang="zh-TW" sz="1200" dirty="0" err="1" smtClean="0"/>
@@ -4503,7 +4432,6 @@
               <a:rPr lang="en-US" altLang="zh-TW" sz="1200" dirty="0" smtClean="0"/>
               <a:t> </a:t>
             </a:r>
-            <a:endParaRPr lang="en-US" altLang="zh-TW" sz="1200" dirty="0" smtClean="0"/>
           </a:p>
           <a:p>
             <a:pPr lvl="0">
@@ -4518,13 +4446,8 @@
             </a:pPr>
             <a:r>
               <a:rPr lang="en-US" altLang="zh-TW" sz="1200" dirty="0" smtClean="0"/>
-              <a:t>&gt;</a:t>
-            </a:r>
-            <a:r>
-              <a:rPr lang="en-US" altLang="zh-TW" sz="1200" dirty="0" smtClean="0"/>
-              <a:t>show collections </a:t>
-            </a:r>
-            <a:endParaRPr lang="en-US" altLang="zh-TW" sz="1200" dirty="0" smtClean="0"/>
+              <a:t>&gt;show collections </a:t>
+            </a:r>
           </a:p>
           <a:p>
             <a:pPr lvl="0">
@@ -4604,11 +4527,7 @@
             </a:pPr>
             <a:r>
               <a:rPr lang="en-US" altLang="zh-TW" sz="1200" dirty="0" smtClean="0"/>
-              <a:t> </a:t>
-            </a:r>
-            <a:r>
-              <a:rPr lang="en-US" altLang="zh-TW" sz="1200" dirty="0" smtClean="0"/>
-              <a:t>&gt;</a:t>
+              <a:t> &gt;</a:t>
             </a:r>
             <a:endParaRPr kumimoji="0" lang="en-US" altLang="zh-TW" sz="1200" b="0" i="0" u="none" strike="noStrike" kern="1200" cap="none" spc="0" normalizeH="0" baseline="0" noProof="0" dirty="0" smtClean="0">
               <a:ln>
@@ -4702,15 +4621,7 @@
                   <a:srgbClr val="FFFF00"/>
                 </a:solidFill>
               </a:rPr>
-              <a:t>9 Drop </a:t>
-            </a:r>
-            <a:r>
-              <a:rPr lang="en-US" altLang="zh-TW" b="1" dirty="0" smtClean="0">
-                <a:solidFill>
-                  <a:srgbClr val="FFFF00"/>
-                </a:solidFill>
-              </a:rPr>
-              <a:t>Collection</a:t>
+              <a:t>9 Drop Collection</a:t>
             </a:r>
             <a:endParaRPr lang="zh-TW" altLang="en-US" b="1" dirty="0">
               <a:solidFill>
@@ -4757,11 +4668,7 @@
             </a:pPr>
             <a:r>
               <a:rPr lang="en-US" altLang="zh-TW" dirty="0" smtClean="0"/>
-              <a:t>Now </a:t>
-            </a:r>
-            <a:r>
-              <a:rPr lang="en-US" altLang="zh-TW" dirty="0" smtClean="0"/>
-              <a:t>drop the collection with the name </a:t>
+              <a:t>Now drop the collection with the name </a:t>
             </a:r>
             <a:r>
               <a:rPr lang="en-US" altLang="zh-TW" b="1" dirty="0" err="1" smtClean="0"/>
@@ -4834,12 +4741,12 @@
               </a:spcBef>
             </a:pPr>
             <a:r>
-              <a:rPr lang="en-US" altLang="zh-TW" sz="1600" dirty="0" smtClean="0">
+              <a:rPr lang="en-US" altLang="zh-TW" sz="1600" smtClean="0">
                 <a:latin typeface="+mj-lt"/>
                 <a:ea typeface="+mj-ea"/>
                 <a:cs typeface="+mj-cs"/>
               </a:rPr>
-              <a:t>https://www.tutorialspoint.com/mongodb/mongodb_create_collection.htm</a:t>
+              <a:t>https://www.tutorialspoint.com/mongodb/mongodb_drop_collection.htm</a:t>
             </a:r>
             <a:endParaRPr kumimoji="0" lang="zh-TW" altLang="en-US" sz="1600" b="0" i="0" u="none" strike="noStrike" kern="1200" cap="none" spc="0" normalizeH="0" baseline="0" noProof="0" dirty="0" smtClean="0">
               <a:ln>
@@ -4956,7 +4863,6 @@
               <a:rPr lang="en-US" altLang="zh-TW" sz="1200" dirty="0" smtClean="0"/>
               <a:t>() </a:t>
             </a:r>
-            <a:endParaRPr lang="en-US" altLang="zh-TW" sz="1200" dirty="0" smtClean="0"/>
           </a:p>
           <a:p>
             <a:pPr lvl="0">
@@ -5045,15 +4951,7 @@
             </a:pPr>
             <a:r>
               <a:rPr lang="en-US" altLang="zh-TW" dirty="0" smtClean="0"/>
-              <a:t>drop</a:t>
-            </a:r>
-            <a:r>
-              <a:rPr lang="en-US" altLang="zh-TW" dirty="0" smtClean="0"/>
-              <a:t>() method will return true, if the selected collection is dropped successfully, otherwise it will return false</a:t>
-            </a:r>
-            <a:r>
-              <a:rPr lang="en-US" altLang="zh-TW" dirty="0" smtClean="0"/>
-              <a:t>.</a:t>
+              <a:t>drop() method will return true, if the selected collection is dropped successfully, otherwise it will return false.</a:t>
             </a:r>
           </a:p>
           <a:p>
@@ -5071,13 +4969,8 @@
             </a:pPr>
             <a:r>
               <a:rPr lang="en-US" altLang="zh-TW" dirty="0" smtClean="0"/>
-              <a:t>Again check the list of collections into database</a:t>
-            </a:r>
-            <a:r>
-              <a:rPr lang="en-US" altLang="zh-TW" dirty="0" smtClean="0"/>
-              <a:t>.</a:t>
-            </a:r>
-            <a:endParaRPr lang="en-US" altLang="zh-TW" dirty="0" smtClean="0"/>
+              <a:t>Again check the list of collections into database.</a:t>
+            </a:r>
           </a:p>
         </p:txBody>
       </p:sp>
@@ -5123,7 +5016,6 @@
               <a:rPr lang="en-US" altLang="zh-TW" sz="1200" dirty="0" smtClean="0"/>
               <a:t>&gt;show collections </a:t>
             </a:r>
-            <a:endParaRPr lang="en-US" altLang="zh-TW" sz="1200" dirty="0" smtClean="0"/>
           </a:p>
           <a:p>
             <a:pPr lvl="0">
